--- a/Презентация.pptx
+++ b/Презентация.pptx
@@ -12,6 +12,8 @@
     <p:sldId id="263" r:id="rId6"/>
     <p:sldId id="261" r:id="rId7"/>
     <p:sldId id="262" r:id="rId8"/>
+    <p:sldId id="264" r:id="rId9"/>
+    <p:sldId id="265" r:id="rId10"/>
   </p:sldIdLst>
   <p:sldSz cx="12192000" cy="6858000"/>
   <p:notesSz cx="6858000" cy="9144000"/>
@@ -244,7 +246,7 @@
           <a:p>
             <a:fld id="{0CBA3DA8-DB39-4C16-AA54-85D135BCAD74}" type="datetimeFigureOut">
               <a:rPr lang="ru-RU" smtClean="0"/>
-              <a:t>14.04.2021</a:t>
+              <a:t>16.04.2021</a:t>
             </a:fld>
             <a:endParaRPr lang="ru-RU"/>
           </a:p>
@@ -414,7 +416,7 @@
           <a:p>
             <a:fld id="{0CBA3DA8-DB39-4C16-AA54-85D135BCAD74}" type="datetimeFigureOut">
               <a:rPr lang="ru-RU" smtClean="0"/>
-              <a:t>14.04.2021</a:t>
+              <a:t>16.04.2021</a:t>
             </a:fld>
             <a:endParaRPr lang="ru-RU"/>
           </a:p>
@@ -594,7 +596,7 @@
           <a:p>
             <a:fld id="{0CBA3DA8-DB39-4C16-AA54-85D135BCAD74}" type="datetimeFigureOut">
               <a:rPr lang="ru-RU" smtClean="0"/>
-              <a:t>14.04.2021</a:t>
+              <a:t>16.04.2021</a:t>
             </a:fld>
             <a:endParaRPr lang="ru-RU"/>
           </a:p>
@@ -764,7 +766,7 @@
           <a:p>
             <a:fld id="{0CBA3DA8-DB39-4C16-AA54-85D135BCAD74}" type="datetimeFigureOut">
               <a:rPr lang="ru-RU" smtClean="0"/>
-              <a:t>14.04.2021</a:t>
+              <a:t>16.04.2021</a:t>
             </a:fld>
             <a:endParaRPr lang="ru-RU"/>
           </a:p>
@@ -1010,7 +1012,7 @@
           <a:p>
             <a:fld id="{0CBA3DA8-DB39-4C16-AA54-85D135BCAD74}" type="datetimeFigureOut">
               <a:rPr lang="ru-RU" smtClean="0"/>
-              <a:t>14.04.2021</a:t>
+              <a:t>16.04.2021</a:t>
             </a:fld>
             <a:endParaRPr lang="ru-RU"/>
           </a:p>
@@ -1242,7 +1244,7 @@
           <a:p>
             <a:fld id="{0CBA3DA8-DB39-4C16-AA54-85D135BCAD74}" type="datetimeFigureOut">
               <a:rPr lang="ru-RU" smtClean="0"/>
-              <a:t>14.04.2021</a:t>
+              <a:t>16.04.2021</a:t>
             </a:fld>
             <a:endParaRPr lang="ru-RU"/>
           </a:p>
@@ -1609,7 +1611,7 @@
           <a:p>
             <a:fld id="{0CBA3DA8-DB39-4C16-AA54-85D135BCAD74}" type="datetimeFigureOut">
               <a:rPr lang="ru-RU" smtClean="0"/>
-              <a:t>14.04.2021</a:t>
+              <a:t>16.04.2021</a:t>
             </a:fld>
             <a:endParaRPr lang="ru-RU"/>
           </a:p>
@@ -1727,7 +1729,7 @@
           <a:p>
             <a:fld id="{0CBA3DA8-DB39-4C16-AA54-85D135BCAD74}" type="datetimeFigureOut">
               <a:rPr lang="ru-RU" smtClean="0"/>
-              <a:t>14.04.2021</a:t>
+              <a:t>16.04.2021</a:t>
             </a:fld>
             <a:endParaRPr lang="ru-RU"/>
           </a:p>
@@ -1822,7 +1824,7 @@
           <a:p>
             <a:fld id="{0CBA3DA8-DB39-4C16-AA54-85D135BCAD74}" type="datetimeFigureOut">
               <a:rPr lang="ru-RU" smtClean="0"/>
-              <a:t>14.04.2021</a:t>
+              <a:t>16.04.2021</a:t>
             </a:fld>
             <a:endParaRPr lang="ru-RU"/>
           </a:p>
@@ -2099,7 +2101,7 @@
           <a:p>
             <a:fld id="{0CBA3DA8-DB39-4C16-AA54-85D135BCAD74}" type="datetimeFigureOut">
               <a:rPr lang="ru-RU" smtClean="0"/>
-              <a:t>14.04.2021</a:t>
+              <a:t>16.04.2021</a:t>
             </a:fld>
             <a:endParaRPr lang="ru-RU"/>
           </a:p>
@@ -2352,7 +2354,7 @@
           <a:p>
             <a:fld id="{0CBA3DA8-DB39-4C16-AA54-85D135BCAD74}" type="datetimeFigureOut">
               <a:rPr lang="ru-RU" smtClean="0"/>
-              <a:t>14.04.2021</a:t>
+              <a:t>16.04.2021</a:t>
             </a:fld>
             <a:endParaRPr lang="ru-RU"/>
           </a:p>
@@ -2565,7 +2567,7 @@
           <a:p>
             <a:fld id="{0CBA3DA8-DB39-4C16-AA54-85D135BCAD74}" type="datetimeFigureOut">
               <a:rPr lang="ru-RU" smtClean="0"/>
-              <a:t>14.04.2021</a:t>
+              <a:t>16.04.2021</a:t>
             </a:fld>
             <a:endParaRPr lang="ru-RU"/>
           </a:p>
@@ -3272,7 +3274,7 @@
             <a:pPr algn="ctr"/>
             <a:r>
               <a:rPr lang="de-DE" dirty="0" smtClean="0"/>
-              <a:t>15.04.2021</a:t>
+              <a:t>16.04.2021</a:t>
             </a:r>
             <a:endParaRPr lang="ru-RU" dirty="0"/>
           </a:p>
@@ -3308,10 +3310,229 @@
           <a:chExt cx="0" cy="0"/>
         </a:xfrm>
       </p:grpSpPr>
+      <p:pic>
+        <p:nvPicPr>
+          <p:cNvPr id="1026" name="Picture 2"/>
+          <p:cNvPicPr>
+            <a:picLocks noChangeAspect="1" noChangeArrowheads="1"/>
+          </p:cNvPicPr>
+          <p:nvPr/>
+        </p:nvPicPr>
+        <p:blipFill>
+          <a:blip r:embed="rId2">
+            <a:extLst>
+              <a:ext uri="{28A0092B-C50C-407E-A947-70E740481C1C}">
+                <a14:useLocalDpi xmlns:a14="http://schemas.microsoft.com/office/drawing/2010/main" val="0"/>
+              </a:ext>
+            </a:extLst>
+          </a:blip>
+          <a:srcRect/>
+          <a:stretch>
+            <a:fillRect/>
+          </a:stretch>
+        </p:blipFill>
+        <p:spPr bwMode="auto">
+          <a:xfrm>
+            <a:off x="0" y="0"/>
+            <a:ext cx="13011150" cy="7315200"/>
+          </a:xfrm>
+          <a:prstGeom prst="rect">
+            <a:avLst/>
+          </a:prstGeom>
+          <a:noFill/>
+          <a:ln>
+            <a:noFill/>
+          </a:ln>
+          <a:effectLst/>
+          <a:extLst>
+            <a:ext uri="{909E8E84-426E-40DD-AFC4-6F175D3DCCD1}">
+              <a14:hiddenFill xmlns:a14="http://schemas.microsoft.com/office/drawing/2010/main">
+                <a:solidFill>
+                  <a:schemeClr val="accent1"/>
+                </a:solidFill>
+              </a14:hiddenFill>
+            </a:ext>
+            <a:ext uri="{91240B29-F687-4F45-9708-019B960494DF}">
+              <a14:hiddenLine xmlns:a14="http://schemas.microsoft.com/office/drawing/2010/main" w="9525">
+                <a:solidFill>
+                  <a:schemeClr val="tx1"/>
+                </a:solidFill>
+                <a:miter lim="800000"/>
+                <a:headEnd/>
+                <a:tailEnd/>
+              </a14:hiddenLine>
+            </a:ext>
+            <a:ext uri="{AF507438-7753-43E0-B8FC-AC1667EBCBE1}">
+              <a14:hiddenEffects xmlns:a14="http://schemas.microsoft.com/office/drawing/2010/main">
+                <a:effectLst>
+                  <a:outerShdw dist="35921" dir="2700000" algn="ctr" rotWithShape="0">
+                    <a:schemeClr val="bg2"/>
+                  </a:outerShdw>
+                </a:effectLst>
+              </a14:hiddenEffects>
+            </a:ext>
+          </a:extLst>
+        </p:spPr>
+      </p:pic>
     </p:spTree>
     <p:extLst>
       <p:ext uri="{BB962C8B-B14F-4D97-AF65-F5344CB8AC3E}">
         <p14:creationId xmlns:p14="http://schemas.microsoft.com/office/powerpoint/2010/main" val="2671956437"/>
+      </p:ext>
+    </p:extLst>
+  </p:cSld>
+  <p:clrMapOvr>
+    <a:masterClrMapping/>
+  </p:clrMapOvr>
+</p:sld>
+</file>
+
+<file path=ppt/slides/slide8.xml><?xml version="1.0" encoding="utf-8"?>
+<p:sld xmlns:a="http://schemas.openxmlformats.org/drawingml/2006/main" xmlns:r="http://schemas.openxmlformats.org/officeDocument/2006/relationships" xmlns:p="http://schemas.openxmlformats.org/presentationml/2006/main">
+  <p:cSld>
+    <p:spTree>
+      <p:nvGrpSpPr>
+        <p:cNvPr id="1" name=""/>
+        <p:cNvGrpSpPr/>
+        <p:nvPr/>
+      </p:nvGrpSpPr>
+      <p:grpSpPr>
+        <a:xfrm>
+          <a:off x="0" y="0"/>
+          <a:ext cx="0" cy="0"/>
+          <a:chOff x="0" y="0"/>
+          <a:chExt cx="0" cy="0"/>
+        </a:xfrm>
+      </p:grpSpPr>
+      <p:pic>
+        <p:nvPicPr>
+          <p:cNvPr id="2050" name="Picture 2"/>
+          <p:cNvPicPr>
+            <a:picLocks noChangeAspect="1" noChangeArrowheads="1"/>
+          </p:cNvPicPr>
+          <p:nvPr/>
+        </p:nvPicPr>
+        <p:blipFill>
+          <a:blip r:embed="rId2">
+            <a:extLst>
+              <a:ext uri="{28A0092B-C50C-407E-A947-70E740481C1C}">
+                <a14:useLocalDpi xmlns:a14="http://schemas.microsoft.com/office/drawing/2010/main" val="0"/>
+              </a:ext>
+            </a:extLst>
+          </a:blip>
+          <a:srcRect/>
+          <a:stretch>
+            <a:fillRect/>
+          </a:stretch>
+        </p:blipFill>
+        <p:spPr bwMode="auto">
+          <a:xfrm>
+            <a:off x="0" y="0"/>
+            <a:ext cx="13011150" cy="7315200"/>
+          </a:xfrm>
+          <a:prstGeom prst="rect">
+            <a:avLst/>
+          </a:prstGeom>
+          <a:noFill/>
+          <a:ln>
+            <a:noFill/>
+          </a:ln>
+          <a:effectLst/>
+          <a:extLst>
+            <a:ext uri="{909E8E84-426E-40DD-AFC4-6F175D3DCCD1}">
+              <a14:hiddenFill xmlns:a14="http://schemas.microsoft.com/office/drawing/2010/main">
+                <a:solidFill>
+                  <a:schemeClr val="accent1"/>
+                </a:solidFill>
+              </a14:hiddenFill>
+            </a:ext>
+            <a:ext uri="{91240B29-F687-4F45-9708-019B960494DF}">
+              <a14:hiddenLine xmlns:a14="http://schemas.microsoft.com/office/drawing/2010/main" w="9525">
+                <a:solidFill>
+                  <a:schemeClr val="tx1"/>
+                </a:solidFill>
+                <a:miter lim="800000"/>
+                <a:headEnd/>
+                <a:tailEnd/>
+              </a14:hiddenLine>
+            </a:ext>
+            <a:ext uri="{AF507438-7753-43E0-B8FC-AC1667EBCBE1}">
+              <a14:hiddenEffects xmlns:a14="http://schemas.microsoft.com/office/drawing/2010/main">
+                <a:effectLst>
+                  <a:outerShdw dist="35921" dir="2700000" algn="ctr" rotWithShape="0">
+                    <a:schemeClr val="bg2"/>
+                  </a:outerShdw>
+                </a:effectLst>
+              </a14:hiddenEffects>
+            </a:ext>
+          </a:extLst>
+        </p:spPr>
+      </p:pic>
+    </p:spTree>
+    <p:extLst>
+      <p:ext uri="{BB962C8B-B14F-4D97-AF65-F5344CB8AC3E}">
+        <p14:creationId xmlns:p14="http://schemas.microsoft.com/office/powerpoint/2010/main" val="478388302"/>
+      </p:ext>
+    </p:extLst>
+  </p:cSld>
+  <p:clrMapOvr>
+    <a:masterClrMapping/>
+  </p:clrMapOvr>
+</p:sld>
+</file>
+
+<file path=ppt/slides/slide9.xml><?xml version="1.0" encoding="utf-8"?>
+<p:sld xmlns:a="http://schemas.openxmlformats.org/drawingml/2006/main" xmlns:r="http://schemas.openxmlformats.org/officeDocument/2006/relationships" xmlns:p="http://schemas.openxmlformats.org/presentationml/2006/main">
+  <p:cSld>
+    <p:spTree>
+      <p:nvGrpSpPr>
+        <p:cNvPr id="1" name=""/>
+        <p:cNvGrpSpPr/>
+        <p:nvPr/>
+      </p:nvGrpSpPr>
+      <p:grpSpPr>
+        <a:xfrm>
+          <a:off x="0" y="0"/>
+          <a:ext cx="0" cy="0"/>
+          <a:chOff x="0" y="0"/>
+          <a:chExt cx="0" cy="0"/>
+        </a:xfrm>
+      </p:grpSpPr>
+      <p:sp>
+        <p:nvSpPr>
+          <p:cNvPr id="4" name="Заголовок 3"/>
+          <p:cNvSpPr>
+            <a:spLocks noGrp="1"/>
+          </p:cNvSpPr>
+          <p:nvPr>
+            <p:ph type="title"/>
+          </p:nvPr>
+        </p:nvSpPr>
+        <p:spPr>
+          <a:xfrm>
+            <a:off x="949417" y="2834642"/>
+            <a:ext cx="10515600" cy="904875"/>
+          </a:xfrm>
+        </p:spPr>
+        <p:txBody>
+          <a:bodyPr>
+            <a:normAutofit fontScale="90000"/>
+          </a:bodyPr>
+          <a:lstStyle/>
+          <a:p>
+            <a:pPr algn="ctr"/>
+            <a:r>
+              <a:rPr lang="de-DE" dirty="0" smtClean="0"/>
+              <a:t>17.04.2021</a:t>
+            </a:r>
+            <a:endParaRPr lang="ru-RU" dirty="0"/>
+          </a:p>
+        </p:txBody>
+      </p:sp>
+    </p:spTree>
+    <p:extLst>
+      <p:ext uri="{BB962C8B-B14F-4D97-AF65-F5344CB8AC3E}">
+        <p14:creationId xmlns:p14="http://schemas.microsoft.com/office/powerpoint/2010/main" val="488235631"/>
       </p:ext>
     </p:extLst>
   </p:cSld>
@@ -3364,7 +3585,7 @@
     </a:clrScheme>
     <a:fontScheme name="Стандартная">
       <a:majorFont>
-        <a:latin typeface="Calibri Light" panose="020F0302020204030204"/>
+        <a:latin typeface="Calibri Light"/>
         <a:ea typeface=""/>
         <a:cs typeface=""/>
         <a:font script="Jpan" typeface="游ゴシック Light"/>
@@ -3399,7 +3620,7 @@
         <a:font script="Geor" typeface="Sylfaen"/>
       </a:majorFont>
       <a:minorFont>
-        <a:latin typeface="Calibri" panose="020F0502020204030204"/>
+        <a:latin typeface="Calibri"/>
         <a:ea typeface=""/>
         <a:cs typeface=""/>
         <a:font script="Jpan" typeface="游ゴシック"/>
@@ -3576,7 +3797,7 @@
   <a:extraClrSchemeLst/>
   <a:extLst>
     <a:ext uri="{05A4C25C-085E-4340-85A3-A5531E510DB2}">
-      <thm15:themeFamily xmlns:thm15="http://schemas.microsoft.com/office/thememl/2012/main" name="Office Theme" id="{62F939B6-93AF-4DB8-9C6B-D6C7DFDC589F}" vid="{4A3C46E8-61CC-4603-A589-7422A47A8E4A}"/>
+      <thm15:themeFamily xmlns:thm15="http://schemas.microsoft.com/office/thememl/2012/main" xmlns="" name="Office Theme" id="{62F939B6-93AF-4DB8-9C6B-D6C7DFDC589F}" vid="{4A3C46E8-61CC-4603-A589-7422A47A8E4A}"/>
     </a:ext>
   </a:extLst>
 </a:theme>
